--- a/Content/HPC/Azure Batch and HPC.pptx
+++ b/Content/HPC/Azure Batch and HPC.pptx
@@ -5,7 +5,7 @@
     <p:sldMasterId id="2147483680" r:id="rId1"/>
   </p:sldMasterIdLst>
   <p:notesMasterIdLst>
-    <p:notesMasterId r:id="rId10"/>
+    <p:notesMasterId r:id="rId11"/>
   </p:notesMasterIdLst>
   <p:sldIdLst>
     <p:sldId id="256" r:id="rId2"/>
@@ -15,7 +15,8 @@
     <p:sldId id="260" r:id="rId6"/>
     <p:sldId id="261" r:id="rId7"/>
     <p:sldId id="262" r:id="rId8"/>
-    <p:sldId id="263" r:id="rId9"/>
+    <p:sldId id="264" r:id="rId9"/>
+    <p:sldId id="263" r:id="rId10"/>
   </p:sldIdLst>
   <p:sldSz cx="12192000" cy="6858000"/>
   <p:notesSz cx="6858000" cy="9144000"/>
@@ -204,7 +205,7 @@
           <a:p>
             <a:fld id="{2E5CA586-3557-4985-BCD4-35EF5AC8B4A4}" type="datetimeFigureOut">
               <a:rPr lang="en-US" smtClean="0"/>
-              <a:t>9/14/15</a:t>
+              <a:t>9/14/2015</a:t>
             </a:fld>
             <a:endParaRPr lang="en-US"/>
           </a:p>
@@ -12068,6 +12069,109 @@
 </file>
 
 <file path=ppt/slides/slide8.xml><?xml version="1.0" encoding="utf-8"?>
+<p:sld xmlns:a="http://schemas.openxmlformats.org/drawingml/2006/main" xmlns:r="http://schemas.openxmlformats.org/officeDocument/2006/relationships" xmlns:p="http://schemas.openxmlformats.org/presentationml/2006/main">
+  <p:cSld>
+    <p:spTree>
+      <p:nvGrpSpPr>
+        <p:cNvPr id="1" name=""/>
+        <p:cNvGrpSpPr/>
+        <p:nvPr/>
+      </p:nvGrpSpPr>
+      <p:grpSpPr>
+        <a:xfrm>
+          <a:off x="0" y="0"/>
+          <a:ext cx="0" cy="0"/>
+          <a:chOff x="0" y="0"/>
+          <a:chExt cx="0" cy="0"/>
+        </a:xfrm>
+      </p:grpSpPr>
+      <p:sp>
+        <p:nvSpPr>
+          <p:cNvPr id="2" name="Title 1"/>
+          <p:cNvSpPr>
+            <a:spLocks noGrp="1"/>
+          </p:cNvSpPr>
+          <p:nvPr>
+            <p:ph type="ctrTitle"/>
+          </p:nvPr>
+        </p:nvSpPr>
+        <p:spPr/>
+        <p:txBody>
+          <a:bodyPr/>
+          <a:lstStyle/>
+          <a:p>
+            <a:r>
+              <a:rPr lang="en-US" dirty="0" smtClean="0"/>
+              <a:t>Hands-On Lab</a:t>
+            </a:r>
+            <a:endParaRPr lang="en-US" dirty="0"/>
+          </a:p>
+        </p:txBody>
+      </p:sp>
+      <p:sp>
+        <p:nvSpPr>
+          <p:cNvPr id="3" name="Subtitle 2"/>
+          <p:cNvSpPr>
+            <a:spLocks noGrp="1"/>
+          </p:cNvSpPr>
+          <p:nvPr>
+            <p:ph type="subTitle" idx="1"/>
+          </p:nvPr>
+        </p:nvSpPr>
+        <p:spPr/>
+        <p:txBody>
+          <a:bodyPr/>
+          <a:lstStyle/>
+          <a:p>
+            <a:r>
+              <a:rPr lang="en-US" dirty="0" smtClean="0"/>
+              <a:t>SLURM Linux Cluster HOL.pdf</a:t>
+            </a:r>
+            <a:endParaRPr lang="en-US" dirty="0"/>
+          </a:p>
+        </p:txBody>
+      </p:sp>
+      <p:sp>
+        <p:nvSpPr>
+          <p:cNvPr id="4" name="Text Placeholder 3"/>
+          <p:cNvSpPr>
+            <a:spLocks noGrp="1"/>
+          </p:cNvSpPr>
+          <p:nvPr>
+            <p:ph type="body" sz="quarter" idx="10"/>
+          </p:nvPr>
+        </p:nvSpPr>
+        <p:spPr/>
+        <p:txBody>
+          <a:bodyPr>
+            <a:normAutofit fontScale="85000" lnSpcReduction="20000"/>
+          </a:bodyPr>
+          <a:lstStyle/>
+          <a:p>
+            <a:r>
+              <a:rPr lang="en-US" dirty="0"/>
+              <a:t>Creating and Using a SLURM Linux Cluster</a:t>
+            </a:r>
+          </a:p>
+        </p:txBody>
+      </p:sp>
+    </p:spTree>
+    <p:extLst>
+      <p:ext uri="{BB962C8B-B14F-4D97-AF65-F5344CB8AC3E}">
+        <p14:creationId xmlns:p14="http://schemas.microsoft.com/office/powerpoint/2010/main" val="3887140717"/>
+      </p:ext>
+    </p:extLst>
+  </p:cSld>
+  <p:clrMapOvr>
+    <a:masterClrMapping/>
+  </p:clrMapOvr>
+  <p:transition>
+    <p:fade/>
+  </p:transition>
+</p:sld>
+</file>
+
+<file path=ppt/slides/slide9.xml><?xml version="1.0" encoding="utf-8"?>
 <p:sld xmlns:a="http://schemas.openxmlformats.org/drawingml/2006/main" xmlns:r="http://schemas.openxmlformats.org/officeDocument/2006/relationships" xmlns:p="http://schemas.openxmlformats.org/presentationml/2006/main">
   <p:cSld>
     <p:spTree>

--- a/Content/HPC/Azure Batch and HPC.pptx
+++ b/Content/HPC/Azure Batch and HPC.pptx
@@ -5,18 +5,17 @@
     <p:sldMasterId id="2147483680" r:id="rId1"/>
   </p:sldMasterIdLst>
   <p:notesMasterIdLst>
-    <p:notesMasterId r:id="rId11"/>
+    <p:notesMasterId r:id="rId10"/>
   </p:notesMasterIdLst>
   <p:sldIdLst>
     <p:sldId id="256" r:id="rId2"/>
-    <p:sldId id="257" r:id="rId3"/>
-    <p:sldId id="258" r:id="rId4"/>
-    <p:sldId id="259" r:id="rId5"/>
-    <p:sldId id="260" r:id="rId6"/>
-    <p:sldId id="261" r:id="rId7"/>
-    <p:sldId id="262" r:id="rId8"/>
-    <p:sldId id="264" r:id="rId9"/>
-    <p:sldId id="263" r:id="rId10"/>
+    <p:sldId id="258" r:id="rId3"/>
+    <p:sldId id="259" r:id="rId4"/>
+    <p:sldId id="260" r:id="rId5"/>
+    <p:sldId id="261" r:id="rId6"/>
+    <p:sldId id="262" r:id="rId7"/>
+    <p:sldId id="264" r:id="rId8"/>
+    <p:sldId id="263" r:id="rId9"/>
   </p:sldIdLst>
   <p:sldSz cx="12192000" cy="6858000"/>
   <p:notesSz cx="6858000" cy="9144000"/>
@@ -205,7 +204,7 @@
           <a:p>
             <a:fld id="{2E5CA586-3557-4985-BCD4-35EF5AC8B4A4}" type="datetimeFigureOut">
               <a:rPr lang="en-US" smtClean="0"/>
-              <a:t>9/14/2015</a:t>
+              <a:t>10/9/15</a:t>
             </a:fld>
             <a:endParaRPr lang="en-US"/>
           </a:p>
@@ -11386,14 +11385,66 @@
           <a:bodyPr/>
           <a:lstStyle/>
           <a:p>
-            <a:endParaRPr lang="en-US"/>
+            <a:r>
+              <a:rPr lang="en-US" dirty="0" smtClean="0"/>
+              <a:t>Azure Batch and HPC</a:t>
+            </a:r>
+            <a:endParaRPr lang="en-US" dirty="0"/>
+          </a:p>
+        </p:txBody>
+      </p:sp>
+      <p:sp>
+        <p:nvSpPr>
+          <p:cNvPr id="3" name="Content Placeholder 2"/>
+          <p:cNvSpPr>
+            <a:spLocks noGrp="1"/>
+          </p:cNvSpPr>
+          <p:nvPr>
+            <p:ph idx="1"/>
+          </p:nvPr>
+        </p:nvSpPr>
+        <p:spPr>
+          <a:xfrm>
+            <a:off x="519248" y="1447800"/>
+            <a:ext cx="11151916" cy="1864613"/>
+          </a:xfrm>
+        </p:spPr>
+        <p:txBody>
+          <a:bodyPr/>
+          <a:lstStyle/>
+          <a:p>
+            <a:r>
+              <a:rPr lang="en-US" dirty="0" smtClean="0"/>
+              <a:t>Key learning objectives</a:t>
+            </a:r>
+          </a:p>
+          <a:p>
+            <a:pPr lvl="1"/>
+            <a:r>
+              <a:rPr lang="en-US" dirty="0" smtClean="0"/>
+              <a:t>Understand Azure’s HPC model</a:t>
+            </a:r>
+          </a:p>
+          <a:p>
+            <a:pPr lvl="1"/>
+            <a:r>
+              <a:rPr lang="en-US" dirty="0" smtClean="0"/>
+              <a:t>What is Azure Batch</a:t>
+            </a:r>
+          </a:p>
+          <a:p>
+            <a:pPr lvl="1"/>
+            <a:r>
+              <a:rPr lang="en-US" dirty="0" smtClean="0"/>
+              <a:t>Deployment Templates</a:t>
+            </a:r>
           </a:p>
         </p:txBody>
       </p:sp>
     </p:spTree>
     <p:extLst>
       <p:ext uri="{BB962C8B-B14F-4D97-AF65-F5344CB8AC3E}">
-        <p14:creationId xmlns:p14="http://schemas.microsoft.com/office/powerpoint/2010/main" val="433426336"/>
+        <p14:creationId xmlns:p14="http://schemas.microsoft.com/office/powerpoint/2010/main" val="1203528837"/>
       </p:ext>
     </p:extLst>
   </p:cSld>
@@ -11440,7 +11491,7 @@
           <a:p>
             <a:r>
               <a:rPr lang="en-US" dirty="0" smtClean="0"/>
-              <a:t>Azure Batch and HPC</a:t>
+              <a:t>High Performance Computing</a:t>
             </a:r>
             <a:endParaRPr lang="en-US" dirty="0"/>
           </a:p>
@@ -11459,7 +11510,7 @@
         <p:spPr>
           <a:xfrm>
             <a:off x="519248" y="1447800"/>
-            <a:ext cx="11151916" cy="1864613"/>
+            <a:ext cx="11151916" cy="3895425"/>
           </a:xfrm>
         </p:spPr>
         <p:txBody>
@@ -11468,36 +11519,59 @@
           <a:p>
             <a:r>
               <a:rPr lang="en-US" dirty="0" smtClean="0"/>
-              <a:t>Key learning objectives</a:t>
+              <a:t>When you have a ton of work that can be split up easily</a:t>
             </a:r>
           </a:p>
           <a:p>
             <a:pPr lvl="1"/>
             <a:r>
               <a:rPr lang="en-US" dirty="0" smtClean="0"/>
-              <a:t>Understand Azure’s HPC model</a:t>
+              <a:t>AKA: “Embarrassingly parallel”</a:t>
             </a:r>
           </a:p>
           <a:p>
             <a:pPr lvl="1"/>
             <a:r>
               <a:rPr lang="en-US" dirty="0" smtClean="0"/>
-              <a:t>What is Azure Batch</a:t>
+              <a:t>Work that does not need much, if any, communication between tasks</a:t>
+            </a:r>
+          </a:p>
+          <a:p>
+            <a:r>
+              <a:rPr lang="en-US" dirty="0" smtClean="0"/>
+              <a:t>Examples</a:t>
             </a:r>
           </a:p>
           <a:p>
             <a:pPr lvl="1"/>
             <a:r>
               <a:rPr lang="en-US" dirty="0" smtClean="0"/>
-              <a:t>Deployment Templates</a:t>
-            </a:r>
+              <a:t>Computer animation</a:t>
+            </a:r>
+          </a:p>
+          <a:p>
+            <a:pPr lvl="1"/>
+            <a:r>
+              <a:rPr lang="en-US" dirty="0" smtClean="0"/>
+              <a:t>Brute force searching in cryptography</a:t>
+            </a:r>
+          </a:p>
+          <a:p>
+            <a:pPr lvl="1"/>
+            <a:r>
+              <a:rPr lang="en-US" dirty="0" smtClean="0"/>
+              <a:t>Genetic algorithms</a:t>
+            </a:r>
+          </a:p>
+          <a:p>
+            <a:endParaRPr lang="en-US" dirty="0"/>
           </a:p>
         </p:txBody>
       </p:sp>
     </p:spTree>
     <p:extLst>
       <p:ext uri="{BB962C8B-B14F-4D97-AF65-F5344CB8AC3E}">
-        <p14:creationId xmlns:p14="http://schemas.microsoft.com/office/powerpoint/2010/main" val="1203528837"/>
+        <p14:creationId xmlns:p14="http://schemas.microsoft.com/office/powerpoint/2010/main" val="554306647"/>
       </p:ext>
     </p:extLst>
   </p:cSld>
@@ -11544,7 +11618,7 @@
           <a:p>
             <a:r>
               <a:rPr lang="en-US" dirty="0" smtClean="0"/>
-              <a:t>High Performance Computing</a:t>
+              <a:t>Azure Batch</a:t>
             </a:r>
             <a:endParaRPr lang="en-US" dirty="0"/>
           </a:p>
@@ -11563,7 +11637,7 @@
         <p:spPr>
           <a:xfrm>
             <a:off x="519248" y="1447800"/>
-            <a:ext cx="11151916" cy="3895425"/>
+            <a:ext cx="11151916" cy="4960076"/>
           </a:xfrm>
         </p:spPr>
         <p:txBody>
@@ -11572,49 +11646,63 @@
           <a:p>
             <a:r>
               <a:rPr lang="en-US" dirty="0" smtClean="0"/>
-              <a:t>When you have a ton of work that can be split up easily</a:t>
+              <a:t>You concentrate on the problem, Azure does everything else</a:t>
+            </a:r>
+          </a:p>
+          <a:p>
+            <a:r>
+              <a:rPr lang="en-US" dirty="0" smtClean="0"/>
+              <a:t>Basically an API</a:t>
             </a:r>
           </a:p>
           <a:p>
             <a:pPr lvl="1"/>
             <a:r>
               <a:rPr lang="en-US" dirty="0" smtClean="0"/>
-              <a:t>AKA: “Embarrassingly parallel”</a:t>
+              <a:t>Azure provides the scale, scheduler, and task processing</a:t>
             </a:r>
           </a:p>
           <a:p>
             <a:pPr lvl="1"/>
             <a:r>
               <a:rPr lang="en-US" dirty="0" smtClean="0"/>
-              <a:t>Work that does not need much, if any, communication between tasks</a:t>
+              <a:t>You provide the task</a:t>
             </a:r>
           </a:p>
           <a:p>
             <a:r>
               <a:rPr lang="en-US" dirty="0" smtClean="0"/>
-              <a:t>Examples</a:t>
+              <a:t>Supports .NET and Rest API</a:t>
+            </a:r>
+          </a:p>
+          <a:p>
+            <a:r>
+              <a:rPr lang="en-US" dirty="0" smtClean="0"/>
+              <a:t>Python sample</a:t>
             </a:r>
           </a:p>
           <a:p>
             <a:pPr lvl="1"/>
             <a:r>
+              <a:rPr lang="en-US" dirty="0">
+                <a:hlinkClick r:id="rId2"/>
+              </a:rPr>
+              <a:t>https://</a:t>
+            </a:r>
+            <a:r>
+              <a:rPr lang="en-US" dirty="0" smtClean="0">
+                <a:hlinkClick r:id="rId2"/>
+              </a:rPr>
+              <a:t>github.com/Azure/azure-batch-apps-python/tree/master/samples/imagemagick_sample</a:t>
+            </a:r>
+            <a:endParaRPr lang="en-US" dirty="0" smtClean="0"/>
+          </a:p>
+          <a:p>
+            <a:r>
               <a:rPr lang="en-US" dirty="0" smtClean="0"/>
-              <a:t>Computer animation</a:t>
-            </a:r>
-          </a:p>
-          <a:p>
-            <a:pPr lvl="1"/>
-            <a:r>
-              <a:rPr lang="en-US" dirty="0" smtClean="0"/>
-              <a:t>Brute force searching in cryptography</a:t>
-            </a:r>
-          </a:p>
-          <a:p>
-            <a:pPr lvl="1"/>
-            <a:r>
-              <a:rPr lang="en-US" dirty="0" smtClean="0"/>
-              <a:t>Genetic algorithms</a:t>
-            </a:r>
+              <a:t>API still in Preview mode</a:t>
+            </a:r>
+            <a:endParaRPr lang="en-US" dirty="0"/>
           </a:p>
           <a:p>
             <a:endParaRPr lang="en-US" dirty="0"/>
@@ -11624,7 +11712,7 @@
     </p:spTree>
     <p:extLst>
       <p:ext uri="{BB962C8B-B14F-4D97-AF65-F5344CB8AC3E}">
-        <p14:creationId xmlns:p14="http://schemas.microsoft.com/office/powerpoint/2010/main" val="554306647"/>
+        <p14:creationId xmlns:p14="http://schemas.microsoft.com/office/powerpoint/2010/main" val="63844517"/>
       </p:ext>
     </p:extLst>
   </p:cSld>
@@ -11671,7 +11759,7 @@
           <a:p>
             <a:r>
               <a:rPr lang="en-US" dirty="0" smtClean="0"/>
-              <a:t>Azure Batch</a:t>
+              <a:t>Azure High Performance Computing</a:t>
             </a:r>
             <a:endParaRPr lang="en-US" dirty="0"/>
           </a:p>
@@ -11690,7 +11778,7 @@
         <p:spPr>
           <a:xfrm>
             <a:off x="519248" y="1447800"/>
-            <a:ext cx="11151916" cy="4960076"/>
+            <a:ext cx="11151916" cy="3353867"/>
           </a:xfrm>
         </p:spPr>
         <p:txBody>
@@ -11699,65 +11787,49 @@
           <a:p>
             <a:r>
               <a:rPr lang="en-US" dirty="0" smtClean="0"/>
-              <a:t>You concentrate on the problem, Azure does everything else</a:t>
-            </a:r>
-          </a:p>
-          <a:p>
+              <a:t>Microsoft Message Passing Interface (MS-MPI) Implementation</a:t>
+            </a:r>
+          </a:p>
+          <a:p>
+            <a:pPr lvl="1"/>
             <a:r>
               <a:rPr lang="en-US" dirty="0" smtClean="0"/>
-              <a:t>Basically an API</a:t>
+              <a:t>Built for Windows </a:t>
+            </a:r>
+          </a:p>
+          <a:p>
+            <a:r>
+              <a:rPr lang="en-US" dirty="0" smtClean="0"/>
+              <a:t>Compute intensive: use A8, A9, A10, or A11 VM instances</a:t>
             </a:r>
           </a:p>
           <a:p>
             <a:pPr lvl="1"/>
             <a:r>
               <a:rPr lang="en-US" dirty="0" smtClean="0"/>
-              <a:t>Azure provides the scale, scheduler, and task processing</a:t>
+              <a:t>Run on optimized hardware</a:t>
             </a:r>
           </a:p>
           <a:p>
             <a:pPr lvl="1"/>
             <a:r>
               <a:rPr lang="en-US" dirty="0" smtClean="0"/>
-              <a:t>You provide the task</a:t>
-            </a:r>
-          </a:p>
-          <a:p>
+              <a:t>RDMA for MPI applications</a:t>
+            </a:r>
+          </a:p>
+          <a:p>
+            <a:pPr lvl="1"/>
             <a:r>
               <a:rPr lang="en-US" dirty="0" smtClean="0"/>
-              <a:t>Supports .NET and Rest API</a:t>
-            </a:r>
-          </a:p>
-          <a:p>
+              <a:t>Full Windows and Linux support</a:t>
+            </a:r>
+          </a:p>
+          <a:p>
+            <a:pPr lvl="1"/>
             <a:r>
               <a:rPr lang="en-US" dirty="0" smtClean="0"/>
-              <a:t>Python sample</a:t>
-            </a:r>
-          </a:p>
-          <a:p>
-            <a:pPr lvl="1"/>
-            <a:r>
-              <a:rPr lang="en-US" dirty="0">
-                <a:hlinkClick r:id="rId2"/>
-              </a:rPr>
-              <a:t>https://</a:t>
-            </a:r>
-            <a:r>
-              <a:rPr lang="en-US" dirty="0" smtClean="0">
-                <a:hlinkClick r:id="rId2"/>
-              </a:rPr>
-              <a:t>github.com/Azure/azure-batch-apps-python/tree/master/samples/imagemagick_sample</a:t>
-            </a:r>
-            <a:endParaRPr lang="en-US" dirty="0" smtClean="0"/>
-          </a:p>
-          <a:p>
-            <a:r>
-              <a:rPr lang="en-US" dirty="0" smtClean="0"/>
-              <a:t>API still in Preview mode</a:t>
-            </a:r>
-            <a:endParaRPr lang="en-US" dirty="0"/>
-          </a:p>
-          <a:p>
+              <a:t>A9: 16 cores, 112GB RAM, 2 NICS (10Gbps, 32Gbps for RDMA)</a:t>
+            </a:r>
             <a:endParaRPr lang="en-US" dirty="0"/>
           </a:p>
         </p:txBody>
@@ -11765,7 +11837,7 @@
     </p:spTree>
     <p:extLst>
       <p:ext uri="{BB962C8B-B14F-4D97-AF65-F5344CB8AC3E}">
-        <p14:creationId xmlns:p14="http://schemas.microsoft.com/office/powerpoint/2010/main" val="63844517"/>
+        <p14:creationId xmlns:p14="http://schemas.microsoft.com/office/powerpoint/2010/main" val="347734468"/>
       </p:ext>
     </p:extLst>
   </p:cSld>
@@ -11812,7 +11884,7 @@
           <a:p>
             <a:r>
               <a:rPr lang="en-US" dirty="0" smtClean="0"/>
-              <a:t>Azure High Performance Computing</a:t>
+              <a:t>Deployment Templates</a:t>
             </a:r>
             <a:endParaRPr lang="en-US" dirty="0"/>
           </a:p>
@@ -11831,7 +11903,7 @@
         <p:spPr>
           <a:xfrm>
             <a:off x="519248" y="1447800"/>
-            <a:ext cx="11151916" cy="3353867"/>
+            <a:ext cx="11151916" cy="4910832"/>
           </a:xfrm>
         </p:spPr>
         <p:txBody>
@@ -11840,49 +11912,89 @@
           <a:p>
             <a:r>
               <a:rPr lang="en-US" dirty="0" smtClean="0"/>
-              <a:t>Microsoft Message Passing Interface (MS-MPI) Implementation</a:t>
+              <a:t>The easy way to deploy HPC clusters in a declarative manner</a:t>
             </a:r>
           </a:p>
           <a:p>
             <a:pPr lvl="1"/>
             <a:r>
               <a:rPr lang="en-US" dirty="0" smtClean="0"/>
-              <a:t>Built for Windows </a:t>
+              <a:t>Define everything, VMs, networks, databases, anything!</a:t>
             </a:r>
           </a:p>
           <a:p>
             <a:r>
               <a:rPr lang="en-US" dirty="0" smtClean="0"/>
-              <a:t>Compute intensive: use A8, A9, A10, or A11 VM instances</a:t>
+              <a:t>Tons of examples</a:t>
             </a:r>
           </a:p>
           <a:p>
             <a:pPr lvl="1"/>
             <a:r>
+              <a:rPr lang="en-US" dirty="0"/>
+              <a:t>https://</a:t>
+            </a:r>
+            <a:r>
+              <a:rPr lang="en-US" dirty="0" err="1"/>
+              <a:t>azure.microsoft.com</a:t>
+            </a:r>
+            <a:r>
+              <a:rPr lang="en-US" dirty="0"/>
+              <a:t>/en-us/documentation/templates/</a:t>
+            </a:r>
+            <a:endParaRPr lang="en-US" dirty="0" smtClean="0"/>
+          </a:p>
+          <a:p>
+            <a:pPr lvl="1"/>
+            <a:r>
+              <a:rPr lang="en-US" dirty="0"/>
+              <a:t>https://</a:t>
+            </a:r>
+            <a:r>
+              <a:rPr lang="en-US" dirty="0" err="1" smtClean="0"/>
+              <a:t>github.com</a:t>
+            </a:r>
+            <a:r>
               <a:rPr lang="en-US" dirty="0" smtClean="0"/>
-              <a:t>Run on optimized hardware</a:t>
+              <a:t>/Azure/azure-</a:t>
+            </a:r>
+            <a:r>
+              <a:rPr lang="en-US" dirty="0" err="1" smtClean="0"/>
+              <a:t>quickstart</a:t>
+            </a:r>
+            <a:r>
+              <a:rPr lang="en-US" dirty="0" smtClean="0"/>
+              <a:t>-templates</a:t>
+            </a:r>
+          </a:p>
+          <a:p>
+            <a:r>
+              <a:rPr lang="en-US" dirty="0" smtClean="0"/>
+              <a:t>Resource groups</a:t>
             </a:r>
           </a:p>
           <a:p>
             <a:pPr lvl="1"/>
             <a:r>
               <a:rPr lang="en-US" dirty="0" smtClean="0"/>
-              <a:t>RDMA for MPI applications</a:t>
+              <a:t>The way to “package” everything about a deployment</a:t>
             </a:r>
           </a:p>
           <a:p>
             <a:pPr lvl="1"/>
             <a:r>
               <a:rPr lang="en-US" dirty="0" smtClean="0"/>
-              <a:t>Full Windows and Linux support</a:t>
-            </a:r>
-          </a:p>
-          <a:p>
-            <a:pPr lvl="1"/>
+              <a:t>Enables complete lifetime management</a:t>
+            </a:r>
+          </a:p>
+          <a:p>
+            <a:pPr lvl="2"/>
             <a:r>
               <a:rPr lang="en-US" dirty="0" smtClean="0"/>
-              <a:t>A9: 16 cores, 112GB RAM, 2 NICS (10Gbps, 32Gbps for RDMA)</a:t>
-            </a:r>
+              <a:t>Create as a unit, add as a unit, delete as a unit</a:t>
+            </a:r>
+          </a:p>
+          <a:p>
             <a:endParaRPr lang="en-US" dirty="0"/>
           </a:p>
         </p:txBody>
@@ -11890,7 +12002,7 @@
     </p:spTree>
     <p:extLst>
       <p:ext uri="{BB962C8B-B14F-4D97-AF65-F5344CB8AC3E}">
-        <p14:creationId xmlns:p14="http://schemas.microsoft.com/office/powerpoint/2010/main" val="347734468"/>
+        <p14:creationId xmlns:p14="http://schemas.microsoft.com/office/powerpoint/2010/main" val="22047570"/>
       </p:ext>
     </p:extLst>
   </p:cSld>
@@ -11927,171 +12039,6 @@
             <a:spLocks noGrp="1"/>
           </p:cNvSpPr>
           <p:nvPr>
-            <p:ph type="title"/>
-          </p:nvPr>
-        </p:nvSpPr>
-        <p:spPr/>
-        <p:txBody>
-          <a:bodyPr/>
-          <a:lstStyle/>
-          <a:p>
-            <a:r>
-              <a:rPr lang="en-US" dirty="0" smtClean="0"/>
-              <a:t>Deployment Templates</a:t>
-            </a:r>
-            <a:endParaRPr lang="en-US" dirty="0"/>
-          </a:p>
-        </p:txBody>
-      </p:sp>
-      <p:sp>
-        <p:nvSpPr>
-          <p:cNvPr id="3" name="Content Placeholder 2"/>
-          <p:cNvSpPr>
-            <a:spLocks noGrp="1"/>
-          </p:cNvSpPr>
-          <p:nvPr>
-            <p:ph idx="1"/>
-          </p:nvPr>
-        </p:nvSpPr>
-        <p:spPr>
-          <a:xfrm>
-            <a:off x="519248" y="1447800"/>
-            <a:ext cx="11151916" cy="4910832"/>
-          </a:xfrm>
-        </p:spPr>
-        <p:txBody>
-          <a:bodyPr/>
-          <a:lstStyle/>
-          <a:p>
-            <a:r>
-              <a:rPr lang="en-US" dirty="0" smtClean="0"/>
-              <a:t>The easy way to deploy HPC clusters in a declarative manner</a:t>
-            </a:r>
-          </a:p>
-          <a:p>
-            <a:pPr lvl="1"/>
-            <a:r>
-              <a:rPr lang="en-US" dirty="0" smtClean="0"/>
-              <a:t>Define everything, VMs, networks, databases, anything!</a:t>
-            </a:r>
-          </a:p>
-          <a:p>
-            <a:r>
-              <a:rPr lang="en-US" dirty="0" smtClean="0"/>
-              <a:t>Tons of examples</a:t>
-            </a:r>
-          </a:p>
-          <a:p>
-            <a:pPr lvl="1"/>
-            <a:r>
-              <a:rPr lang="en-US" dirty="0"/>
-              <a:t>https://</a:t>
-            </a:r>
-            <a:r>
-              <a:rPr lang="en-US" dirty="0" err="1"/>
-              <a:t>azure.microsoft.com</a:t>
-            </a:r>
-            <a:r>
-              <a:rPr lang="en-US" dirty="0"/>
-              <a:t>/en-us/documentation/templates/</a:t>
-            </a:r>
-            <a:endParaRPr lang="en-US" dirty="0" smtClean="0"/>
-          </a:p>
-          <a:p>
-            <a:pPr lvl="1"/>
-            <a:r>
-              <a:rPr lang="en-US" dirty="0"/>
-              <a:t>https://</a:t>
-            </a:r>
-            <a:r>
-              <a:rPr lang="en-US" dirty="0" err="1" smtClean="0"/>
-              <a:t>github.com</a:t>
-            </a:r>
-            <a:r>
-              <a:rPr lang="en-US" dirty="0" smtClean="0"/>
-              <a:t>/Azure/azure-</a:t>
-            </a:r>
-            <a:r>
-              <a:rPr lang="en-US" dirty="0" err="1" smtClean="0"/>
-              <a:t>quickstart</a:t>
-            </a:r>
-            <a:r>
-              <a:rPr lang="en-US" dirty="0" smtClean="0"/>
-              <a:t>-templates</a:t>
-            </a:r>
-          </a:p>
-          <a:p>
-            <a:r>
-              <a:rPr lang="en-US" dirty="0" smtClean="0"/>
-              <a:t>Resource groups</a:t>
-            </a:r>
-          </a:p>
-          <a:p>
-            <a:pPr lvl="1"/>
-            <a:r>
-              <a:rPr lang="en-US" dirty="0" smtClean="0"/>
-              <a:t>The way to “package” everything about a deployment</a:t>
-            </a:r>
-          </a:p>
-          <a:p>
-            <a:pPr lvl="1"/>
-            <a:r>
-              <a:rPr lang="en-US" dirty="0" smtClean="0"/>
-              <a:t>Enables complete lifetime management</a:t>
-            </a:r>
-          </a:p>
-          <a:p>
-            <a:pPr lvl="2"/>
-            <a:r>
-              <a:rPr lang="en-US" dirty="0" smtClean="0"/>
-              <a:t>Create as a unit, add as a unit, delete as a unit</a:t>
-            </a:r>
-          </a:p>
-          <a:p>
-            <a:endParaRPr lang="en-US" dirty="0"/>
-          </a:p>
-        </p:txBody>
-      </p:sp>
-    </p:spTree>
-    <p:extLst>
-      <p:ext uri="{BB962C8B-B14F-4D97-AF65-F5344CB8AC3E}">
-        <p14:creationId xmlns:p14="http://schemas.microsoft.com/office/powerpoint/2010/main" val="22047570"/>
-      </p:ext>
-    </p:extLst>
-  </p:cSld>
-  <p:clrMapOvr>
-    <a:masterClrMapping/>
-  </p:clrMapOvr>
-  <p:transition>
-    <p:fade/>
-  </p:transition>
-</p:sld>
-</file>
-
-<file path=ppt/slides/slide8.xml><?xml version="1.0" encoding="utf-8"?>
-<p:sld xmlns:a="http://schemas.openxmlformats.org/drawingml/2006/main" xmlns:r="http://schemas.openxmlformats.org/officeDocument/2006/relationships" xmlns:p="http://schemas.openxmlformats.org/presentationml/2006/main">
-  <p:cSld>
-    <p:spTree>
-      <p:nvGrpSpPr>
-        <p:cNvPr id="1" name=""/>
-        <p:cNvGrpSpPr/>
-        <p:nvPr/>
-      </p:nvGrpSpPr>
-      <p:grpSpPr>
-        <a:xfrm>
-          <a:off x="0" y="0"/>
-          <a:ext cx="0" cy="0"/>
-          <a:chOff x="0" y="0"/>
-          <a:chExt cx="0" cy="0"/>
-        </a:xfrm>
-      </p:grpSpPr>
-      <p:sp>
-        <p:nvSpPr>
-          <p:cNvPr id="2" name="Title 1"/>
-          <p:cNvSpPr>
-            <a:spLocks noGrp="1"/>
-          </p:cNvSpPr>
-          <p:nvPr>
             <p:ph type="ctrTitle"/>
           </p:nvPr>
         </p:nvSpPr>
@@ -12144,7 +12091,7 @@
         <p:spPr/>
         <p:txBody>
           <a:bodyPr>
-            <a:normAutofit fontScale="85000" lnSpcReduction="20000"/>
+            <a:normAutofit fontScale="85000" lnSpcReduction="10000"/>
           </a:bodyPr>
           <a:lstStyle/>
           <a:p>
@@ -12171,7 +12118,7 @@
 </p:sld>
 </file>
 
-<file path=ppt/slides/slide9.xml><?xml version="1.0" encoding="utf-8"?>
+<file path=ppt/slides/slide8.xml><?xml version="1.0" encoding="utf-8"?>
 <p:sld xmlns:a="http://schemas.openxmlformats.org/drawingml/2006/main" xmlns:r="http://schemas.openxmlformats.org/officeDocument/2006/relationships" xmlns:p="http://schemas.openxmlformats.org/presentationml/2006/main">
   <p:cSld>
     <p:spTree>

--- a/Content/HPC/Azure Batch and HPC.pptx
+++ b/Content/HPC/Azure Batch and HPC.pptx
@@ -12,8 +12,8 @@
     <p:sldId id="258" r:id="rId3"/>
     <p:sldId id="259" r:id="rId4"/>
     <p:sldId id="260" r:id="rId5"/>
-    <p:sldId id="261" r:id="rId6"/>
-    <p:sldId id="262" r:id="rId7"/>
+    <p:sldId id="262" r:id="rId6"/>
+    <p:sldId id="265" r:id="rId7"/>
     <p:sldId id="264" r:id="rId8"/>
     <p:sldId id="263" r:id="rId9"/>
   </p:sldIdLst>
@@ -204,7 +204,7 @@
           <a:p>
             <a:fld id="{2E5CA586-3557-4985-BCD4-35EF5AC8B4A4}" type="datetimeFigureOut">
               <a:rPr lang="en-US" smtClean="0"/>
-              <a:t>10/9/15</a:t>
+              <a:t>10/11/15</a:t>
             </a:fld>
             <a:endParaRPr lang="en-US"/>
           </a:p>
@@ -11759,7 +11759,7 @@
           <a:p>
             <a:r>
               <a:rPr lang="en-US" dirty="0" smtClean="0"/>
-              <a:t>Azure High Performance Computing</a:t>
+              <a:t>Deployment Templates</a:t>
             </a:r>
             <a:endParaRPr lang="en-US" dirty="0"/>
           </a:p>
@@ -11778,7 +11778,7 @@
         <p:spPr>
           <a:xfrm>
             <a:off x="519248" y="1447800"/>
-            <a:ext cx="11151916" cy="3353867"/>
+            <a:ext cx="11151916" cy="4910832"/>
           </a:xfrm>
         </p:spPr>
         <p:txBody>
@@ -11787,49 +11787,89 @@
           <a:p>
             <a:r>
               <a:rPr lang="en-US" dirty="0" smtClean="0"/>
-              <a:t>Microsoft Message Passing Interface (MS-MPI) Implementation</a:t>
+              <a:t>The easy way to deploy HPC clusters in a declarative manner</a:t>
             </a:r>
           </a:p>
           <a:p>
             <a:pPr lvl="1"/>
             <a:r>
               <a:rPr lang="en-US" dirty="0" smtClean="0"/>
-              <a:t>Built for Windows </a:t>
+              <a:t>Define everything, VMs, networks, databases, anything!</a:t>
             </a:r>
           </a:p>
           <a:p>
             <a:r>
               <a:rPr lang="en-US" dirty="0" smtClean="0"/>
-              <a:t>Compute intensive: use A8, A9, A10, or A11 VM instances</a:t>
+              <a:t>Tons of examples</a:t>
             </a:r>
           </a:p>
           <a:p>
             <a:pPr lvl="1"/>
             <a:r>
+              <a:rPr lang="en-US" dirty="0"/>
+              <a:t>https://</a:t>
+            </a:r>
+            <a:r>
+              <a:rPr lang="en-US" dirty="0" err="1"/>
+              <a:t>azure.microsoft.com</a:t>
+            </a:r>
+            <a:r>
+              <a:rPr lang="en-US" dirty="0"/>
+              <a:t>/en-us/documentation/templates/</a:t>
+            </a:r>
+            <a:endParaRPr lang="en-US" dirty="0" smtClean="0"/>
+          </a:p>
+          <a:p>
+            <a:pPr lvl="1"/>
+            <a:r>
+              <a:rPr lang="en-US" dirty="0"/>
+              <a:t>https://</a:t>
+            </a:r>
+            <a:r>
+              <a:rPr lang="en-US" dirty="0" err="1" smtClean="0"/>
+              <a:t>github.com</a:t>
+            </a:r>
+            <a:r>
               <a:rPr lang="en-US" dirty="0" smtClean="0"/>
-              <a:t>Run on optimized hardware</a:t>
+              <a:t>/Azure/azure-</a:t>
+            </a:r>
+            <a:r>
+              <a:rPr lang="en-US" dirty="0" err="1" smtClean="0"/>
+              <a:t>quickstart</a:t>
+            </a:r>
+            <a:r>
+              <a:rPr lang="en-US" dirty="0" smtClean="0"/>
+              <a:t>-templates</a:t>
+            </a:r>
+          </a:p>
+          <a:p>
+            <a:r>
+              <a:rPr lang="en-US" dirty="0" smtClean="0"/>
+              <a:t>Resource groups</a:t>
             </a:r>
           </a:p>
           <a:p>
             <a:pPr lvl="1"/>
             <a:r>
               <a:rPr lang="en-US" dirty="0" smtClean="0"/>
-              <a:t>RDMA for MPI applications</a:t>
+              <a:t>The way to “package” everything about a deployment</a:t>
             </a:r>
           </a:p>
           <a:p>
             <a:pPr lvl="1"/>
             <a:r>
               <a:rPr lang="en-US" dirty="0" smtClean="0"/>
-              <a:t>Full Windows and Linux support</a:t>
-            </a:r>
-          </a:p>
-          <a:p>
-            <a:pPr lvl="1"/>
+              <a:t>Enables complete lifetime management</a:t>
+            </a:r>
+          </a:p>
+          <a:p>
+            <a:pPr lvl="2"/>
             <a:r>
               <a:rPr lang="en-US" dirty="0" smtClean="0"/>
-              <a:t>A9: 16 cores, 112GB RAM, 2 NICS (10Gbps, 32Gbps for RDMA)</a:t>
-            </a:r>
+              <a:t>Create as a unit, add as a unit, delete as a unit</a:t>
+            </a:r>
+          </a:p>
+          <a:p>
             <a:endParaRPr lang="en-US" dirty="0"/>
           </a:p>
         </p:txBody>
@@ -11837,7 +11877,7 @@
     </p:spTree>
     <p:extLst>
       <p:ext uri="{BB962C8B-B14F-4D97-AF65-F5344CB8AC3E}">
-        <p14:creationId xmlns:p14="http://schemas.microsoft.com/office/powerpoint/2010/main" val="347734468"/>
+        <p14:creationId xmlns:p14="http://schemas.microsoft.com/office/powerpoint/2010/main" val="22047570"/>
       </p:ext>
     </p:extLst>
   </p:cSld>
@@ -11884,7 +11924,7 @@
           <a:p>
             <a:r>
               <a:rPr lang="en-US" dirty="0" smtClean="0"/>
-              <a:t>Deployment Templates</a:t>
+              <a:t>HPC Machine Sizes</a:t>
             </a:r>
             <a:endParaRPr lang="en-US" dirty="0"/>
           </a:p>
@@ -11903,7 +11943,7 @@
         <p:spPr>
           <a:xfrm>
             <a:off x="519248" y="1447800"/>
-            <a:ext cx="11151916" cy="4910832"/>
+            <a:ext cx="11151916" cy="4978542"/>
           </a:xfrm>
         </p:spPr>
         <p:txBody>
@@ -11912,89 +11952,68 @@
           <a:p>
             <a:r>
               <a:rPr lang="en-US" dirty="0" smtClean="0"/>
-              <a:t>The easy way to deploy HPC clusters in a declarative manner</a:t>
+              <a:t>Specified as part of the template</a:t>
+            </a:r>
+          </a:p>
+          <a:p>
+            <a:r>
+              <a:rPr lang="en-US" dirty="0" smtClean="0"/>
+              <a:t>A8/A9/A10/A11 Series– Designed Specifically for HPC</a:t>
             </a:r>
           </a:p>
           <a:p>
             <a:pPr lvl="1"/>
             <a:r>
               <a:rPr lang="en-US" dirty="0" smtClean="0"/>
-              <a:t>Define everything, VMs, networks, databases, anything!</a:t>
-            </a:r>
-          </a:p>
-          <a:p>
+              <a:t>RDMA Support in A8 and A9</a:t>
+            </a:r>
+          </a:p>
+          <a:p>
+            <a:pPr lvl="1"/>
             <a:r>
               <a:rPr lang="en-US" dirty="0" smtClean="0"/>
-              <a:t>Tons of examples</a:t>
+              <a:t>56 or 112GB RAM, 8 or 16 cores, 16 Data Disks </a:t>
+            </a:r>
+          </a:p>
+          <a:p>
+            <a:r>
+              <a:rPr lang="en-US" smtClean="0"/>
+              <a:t>G/GS </a:t>
+            </a:r>
+            <a:r>
+              <a:rPr lang="en-US" dirty="0" smtClean="0"/>
+              <a:t>Series</a:t>
             </a:r>
           </a:p>
           <a:p>
             <a:pPr lvl="1"/>
             <a:r>
-              <a:rPr lang="en-US" dirty="0"/>
-              <a:t>https://</a:t>
-            </a:r>
-            <a:r>
-              <a:rPr lang="en-US" dirty="0" err="1"/>
-              <a:t>azure.microsoft.com</a:t>
-            </a:r>
-            <a:r>
-              <a:rPr lang="en-US" dirty="0"/>
-              <a:t>/en-us/documentation/templates/</a:t>
-            </a:r>
-            <a:endParaRPr lang="en-US" dirty="0" smtClean="0"/>
+              <a:rPr lang="en-US" dirty="0" smtClean="0"/>
+              <a:t>Up to 448GB RAM, 32 cores, 64 Data Disks</a:t>
+            </a:r>
           </a:p>
           <a:p>
             <a:pPr lvl="1"/>
             <a:r>
-              <a:rPr lang="en-US" dirty="0"/>
-              <a:t>https://</a:t>
-            </a:r>
-            <a:r>
-              <a:rPr lang="en-US" dirty="0" err="1" smtClean="0"/>
-              <a:t>github.com</a:t>
-            </a:r>
-            <a:r>
               <a:rPr lang="en-US" dirty="0" smtClean="0"/>
-              <a:t>/Azure/azure-</a:t>
-            </a:r>
-            <a:r>
-              <a:rPr lang="en-US" dirty="0" err="1" smtClean="0"/>
-              <a:t>quickstart</a:t>
-            </a:r>
+              <a:t>Disks are SSD</a:t>
+            </a:r>
+          </a:p>
+          <a:p>
             <a:r>
               <a:rPr lang="en-US" dirty="0" smtClean="0"/>
-              <a:t>-templates</a:t>
-            </a:r>
-          </a:p>
-          <a:p>
+              <a:t>D Series</a:t>
+            </a:r>
+          </a:p>
+          <a:p>
+            <a:pPr lvl="1"/>
             <a:r>
               <a:rPr lang="en-US" dirty="0" smtClean="0"/>
-              <a:t>Resource groups</a:t>
+              <a:t>General computing machines</a:t>
             </a:r>
           </a:p>
           <a:p>
             <a:pPr lvl="1"/>
-            <a:r>
-              <a:rPr lang="en-US" dirty="0" smtClean="0"/>
-              <a:t>The way to “package” everything about a deployment</a:t>
-            </a:r>
-          </a:p>
-          <a:p>
-            <a:pPr lvl="1"/>
-            <a:r>
-              <a:rPr lang="en-US" dirty="0" smtClean="0"/>
-              <a:t>Enables complete lifetime management</a:t>
-            </a:r>
-          </a:p>
-          <a:p>
-            <a:pPr lvl="2"/>
-            <a:r>
-              <a:rPr lang="en-US" dirty="0" smtClean="0"/>
-              <a:t>Create as a unit, add as a unit, delete as a unit</a:t>
-            </a:r>
-          </a:p>
-          <a:p>
             <a:endParaRPr lang="en-US" dirty="0"/>
           </a:p>
         </p:txBody>
@@ -12002,7 +12021,7 @@
     </p:spTree>
     <p:extLst>
       <p:ext uri="{BB962C8B-B14F-4D97-AF65-F5344CB8AC3E}">
-        <p14:creationId xmlns:p14="http://schemas.microsoft.com/office/powerpoint/2010/main" val="22047570"/>
+        <p14:creationId xmlns:p14="http://schemas.microsoft.com/office/powerpoint/2010/main" val="1696514969"/>
       </p:ext>
     </p:extLst>
   </p:cSld>

--- a/Content/HPC/Azure Batch and HPC.pptx
+++ b/Content/HPC/Azure Batch and HPC.pptx
@@ -204,7 +204,7 @@
           <a:p>
             <a:fld id="{2E5CA586-3557-4985-BCD4-35EF5AC8B4A4}" type="datetimeFigureOut">
               <a:rPr lang="en-US" smtClean="0"/>
-              <a:t>10/11/15</a:t>
+              <a:t>1/4/16</a:t>
             </a:fld>
             <a:endParaRPr lang="en-US"/>
           </a:p>
@@ -6792,7 +6792,7 @@
                 </a:gradFill>
                 <a:cs typeface="Segoe UI" pitchFamily="34" charset="0"/>
               </a:rPr>
-              <a:t>5</a:t>
+              <a:t>6</a:t>
             </a:r>
             <a:r>
               <a:rPr lang="en-US" sz="700" dirty="0" smtClean="0">

--- a/Content/HPC/Azure Batch and HPC.pptx
+++ b/Content/HPC/Azure Batch and HPC.pptx
@@ -204,7 +204,7 @@
           <a:p>
             <a:fld id="{2E5CA586-3557-4985-BCD4-35EF5AC8B4A4}" type="datetimeFigureOut">
               <a:rPr lang="en-US" smtClean="0"/>
-              <a:t>1/4/16</a:t>
+              <a:t>1/11/2016</a:t>
             </a:fld>
             <a:endParaRPr lang="en-US"/>
           </a:p>
@@ -470,6 +470,90 @@
     </a:lvl9pPr>
   </p:notesStyle>
 </p:notesMaster>
+</file>
+
+<file path=ppt/notesSlides/notesSlide1.xml><?xml version="1.0" encoding="utf-8"?>
+<p:notes xmlns:a="http://schemas.openxmlformats.org/drawingml/2006/main" xmlns:r="http://schemas.openxmlformats.org/officeDocument/2006/relationships" xmlns:p="http://schemas.openxmlformats.org/presentationml/2006/main">
+  <p:cSld>
+    <p:spTree>
+      <p:nvGrpSpPr>
+        <p:cNvPr id="1" name=""/>
+        <p:cNvGrpSpPr/>
+        <p:nvPr/>
+      </p:nvGrpSpPr>
+      <p:grpSpPr>
+        <a:xfrm>
+          <a:off x="0" y="0"/>
+          <a:ext cx="0" cy="0"/>
+          <a:chOff x="0" y="0"/>
+          <a:chExt cx="0" cy="0"/>
+        </a:xfrm>
+      </p:grpSpPr>
+      <p:sp>
+        <p:nvSpPr>
+          <p:cNvPr id="2" name="Slide Image Placeholder 1"/>
+          <p:cNvSpPr>
+            <a:spLocks noGrp="1" noRot="1" noChangeAspect="1"/>
+          </p:cNvSpPr>
+          <p:nvPr>
+            <p:ph type="sldImg"/>
+          </p:nvPr>
+        </p:nvSpPr>
+        <p:spPr/>
+      </p:sp>
+      <p:sp>
+        <p:nvSpPr>
+          <p:cNvPr id="3" name="Notes Placeholder 2"/>
+          <p:cNvSpPr>
+            <a:spLocks noGrp="1"/>
+          </p:cNvSpPr>
+          <p:nvPr>
+            <p:ph type="body" idx="1"/>
+          </p:nvPr>
+        </p:nvSpPr>
+        <p:spPr/>
+        <p:txBody>
+          <a:bodyPr/>
+          <a:lstStyle/>
+          <a:p>
+            <a:endParaRPr lang="en-US" dirty="0"/>
+          </a:p>
+        </p:txBody>
+      </p:sp>
+      <p:sp>
+        <p:nvSpPr>
+          <p:cNvPr id="4" name="Slide Number Placeholder 3"/>
+          <p:cNvSpPr>
+            <a:spLocks noGrp="1"/>
+          </p:cNvSpPr>
+          <p:nvPr>
+            <p:ph type="sldNum" sz="quarter" idx="10"/>
+          </p:nvPr>
+        </p:nvSpPr>
+        <p:spPr/>
+        <p:txBody>
+          <a:bodyPr/>
+          <a:lstStyle/>
+          <a:p>
+            <a:fld id="{BC60BE34-BC89-4C98-A56B-79B7A098D024}" type="slidenum">
+              <a:rPr lang="en-US" smtClean="0"/>
+              <a:t>7</a:t>
+            </a:fld>
+            <a:endParaRPr lang="en-US"/>
+          </a:p>
+        </p:txBody>
+      </p:sp>
+    </p:spTree>
+    <p:extLst>
+      <p:ext uri="{BB962C8B-B14F-4D97-AF65-F5344CB8AC3E}">
+        <p14:creationId xmlns:p14="http://schemas.microsoft.com/office/powerpoint/2010/main" val="2036639160"/>
+      </p:ext>
+    </p:extLst>
+  </p:cSld>
+  <p:clrMapOvr>
+    <a:masterClrMapping/>
+  </p:clrMapOvr>
+</p:notes>
 </file>
 
 <file path=ppt/slideLayouts/slideLayout1.xml><?xml version="1.0" encoding="utf-8"?>
@@ -11293,13 +11377,17 @@
           <a:p>
             <a:r>
               <a:rPr lang="en-US" dirty="0" smtClean="0"/>
-              <a:t>Azure Batch and High </a:t>
-            </a:r>
-            <a:r>
-              <a:rPr lang="en-US" smtClean="0"/>
-              <a:t>Performance Computing</a:t>
-            </a:r>
-            <a:endParaRPr lang="en-US"/>
+              <a:t>Azure Batch and </a:t>
+            </a:r>
+            <a:r>
+              <a:rPr lang="en-US" dirty="0" smtClean="0"/>
+              <a:t>High-Performance </a:t>
+            </a:r>
+            <a:r>
+              <a:rPr lang="en-US" dirty="0" smtClean="0"/>
+              <a:t>Computing</a:t>
+            </a:r>
+            <a:endParaRPr lang="en-US" dirty="0"/>
           </a:p>
         </p:txBody>
       </p:sp>
@@ -11316,7 +11404,7 @@
         <p:spPr>
           <a:xfrm>
             <a:off x="519250" y="4612344"/>
-            <a:ext cx="5455754" cy="738407"/>
+            <a:ext cx="5455754" cy="332270"/>
           </a:xfrm>
         </p:spPr>
         <p:txBody>
@@ -11325,15 +11413,13 @@
           <a:p>
             <a:r>
               <a:rPr lang="en-US" dirty="0" smtClean="0"/>
-              <a:t>Microsoft Research</a:t>
-            </a:r>
-          </a:p>
-          <a:p>
+              <a:t>Microsoft </a:t>
+            </a:r>
             <a:r>
               <a:rPr lang="en-US" dirty="0" smtClean="0"/>
-              <a:t>Microsoft Azure for Research Training</a:t>
-            </a:r>
-            <a:endParaRPr lang="en-US" dirty="0"/>
+              <a:t>Research</a:t>
+            </a:r>
+            <a:endParaRPr lang="en-US" dirty="0" smtClean="0"/>
           </a:p>
         </p:txBody>
       </p:sp>
@@ -11491,7 +11577,11 @@
           <a:p>
             <a:r>
               <a:rPr lang="en-US" dirty="0" smtClean="0"/>
-              <a:t>High Performance Computing</a:t>
+              <a:t>High-Performance </a:t>
+            </a:r>
+            <a:r>
+              <a:rPr lang="en-US" dirty="0" smtClean="0"/>
+              <a:t>Computing</a:t>
             </a:r>
             <a:endParaRPr lang="en-US" dirty="0"/>
           </a:p>
@@ -11510,7 +11600,7 @@
         <p:spPr>
           <a:xfrm>
             <a:off x="519248" y="1447800"/>
-            <a:ext cx="11151916" cy="3895425"/>
+            <a:ext cx="11151916" cy="4283096"/>
           </a:xfrm>
         </p:spPr>
         <p:txBody>
@@ -11533,7 +11623,23 @@
             <a:pPr lvl="1"/>
             <a:r>
               <a:rPr lang="en-US" dirty="0" smtClean="0"/>
-              <a:t>Work that does not need much, if any, communication between tasks</a:t>
+              <a:t>Work that does not </a:t>
+            </a:r>
+            <a:r>
+              <a:rPr lang="en-US" dirty="0" smtClean="0"/>
+              <a:t>re</a:t>
+            </a:r>
+            <a:r>
+              <a:rPr lang="en-US" dirty="0" smtClean="0"/>
+              <a:t>quire </a:t>
+            </a:r>
+            <a:r>
+              <a:rPr lang="en-US" dirty="0" smtClean="0"/>
+              <a:t>much</a:t>
+            </a:r>
+            <a:r>
+              <a:rPr lang="en-US" dirty="0" smtClean="0"/>
+              <a:t>, if any, communication between tasks</a:t>
             </a:r>
           </a:p>
           <a:p>
@@ -12091,7 +12197,11 @@
           <a:p>
             <a:r>
               <a:rPr lang="en-US" dirty="0" smtClean="0"/>
-              <a:t>SLURM Linux Cluster HOL.pdf</a:t>
+              <a:t>SLURM Linux Cluster </a:t>
+            </a:r>
+            <a:r>
+              <a:rPr lang="en-US" dirty="0" smtClean="0"/>
+              <a:t>HOL.html</a:t>
             </a:r>
             <a:endParaRPr lang="en-US" dirty="0"/>
           </a:p>
@@ -12110,7 +12220,7 @@
         <p:spPr/>
         <p:txBody>
           <a:bodyPr>
-            <a:normAutofit fontScale="85000" lnSpcReduction="10000"/>
+            <a:normAutofit fontScale="85000" lnSpcReduction="20000"/>
           </a:bodyPr>
           <a:lstStyle/>
           <a:p>
